--- a/3 am/2 العروض التقديمية/1 تصميم عرض تقديمي/cours 11/عرض الدرس.pptx
+++ b/3 am/2 العروض التقديمية/1 تصميم عرض تقديمي/cours 11/عرض الدرس.pptx
@@ -8,8 +8,8 @@
     <p:sldId id="263" r:id="rId2"/>
     <p:sldId id="271" r:id="rId3"/>
     <p:sldId id="264" r:id="rId4"/>
-    <p:sldId id="270" r:id="rId5"/>
-    <p:sldId id="260" r:id="rId6"/>
+    <p:sldId id="260" r:id="rId5"/>
+    <p:sldId id="270" r:id="rId6"/>
     <p:sldId id="275" r:id="rId7"/>
     <p:sldId id="269" r:id="rId8"/>
   </p:sldIdLst>
@@ -249,7 +249,7 @@
           <a:p>
             <a:fld id="{33E46DBA-FA3B-4C5F-B700-4671668DAB72}" type="datetimeFigureOut">
               <a:rPr lang="fr-FR" smtClean="0"/>
-              <a:t>17/02/2025</a:t>
+              <a:t>05/04/2025</a:t>
             </a:fld>
             <a:endParaRPr lang="fr-FR"/>
           </a:p>
@@ -419,7 +419,7 @@
           <a:p>
             <a:fld id="{33E46DBA-FA3B-4C5F-B700-4671668DAB72}" type="datetimeFigureOut">
               <a:rPr lang="fr-FR" smtClean="0"/>
-              <a:t>17/02/2025</a:t>
+              <a:t>05/04/2025</a:t>
             </a:fld>
             <a:endParaRPr lang="fr-FR"/>
           </a:p>
@@ -599,7 +599,7 @@
           <a:p>
             <a:fld id="{33E46DBA-FA3B-4C5F-B700-4671668DAB72}" type="datetimeFigureOut">
               <a:rPr lang="fr-FR" smtClean="0"/>
-              <a:t>17/02/2025</a:t>
+              <a:t>05/04/2025</a:t>
             </a:fld>
             <a:endParaRPr lang="fr-FR"/>
           </a:p>
@@ -769,7 +769,7 @@
           <a:p>
             <a:fld id="{33E46DBA-FA3B-4C5F-B700-4671668DAB72}" type="datetimeFigureOut">
               <a:rPr lang="fr-FR" smtClean="0"/>
-              <a:t>17/02/2025</a:t>
+              <a:t>05/04/2025</a:t>
             </a:fld>
             <a:endParaRPr lang="fr-FR"/>
           </a:p>
@@ -1015,7 +1015,7 @@
           <a:p>
             <a:fld id="{33E46DBA-FA3B-4C5F-B700-4671668DAB72}" type="datetimeFigureOut">
               <a:rPr lang="fr-FR" smtClean="0"/>
-              <a:t>17/02/2025</a:t>
+              <a:t>05/04/2025</a:t>
             </a:fld>
             <a:endParaRPr lang="fr-FR"/>
           </a:p>
@@ -1247,7 +1247,7 @@
           <a:p>
             <a:fld id="{33E46DBA-FA3B-4C5F-B700-4671668DAB72}" type="datetimeFigureOut">
               <a:rPr lang="fr-FR" smtClean="0"/>
-              <a:t>17/02/2025</a:t>
+              <a:t>05/04/2025</a:t>
             </a:fld>
             <a:endParaRPr lang="fr-FR"/>
           </a:p>
@@ -1614,7 +1614,7 @@
           <a:p>
             <a:fld id="{33E46DBA-FA3B-4C5F-B700-4671668DAB72}" type="datetimeFigureOut">
               <a:rPr lang="fr-FR" smtClean="0"/>
-              <a:t>17/02/2025</a:t>
+              <a:t>05/04/2025</a:t>
             </a:fld>
             <a:endParaRPr lang="fr-FR"/>
           </a:p>
@@ -1732,7 +1732,7 @@
           <a:p>
             <a:fld id="{33E46DBA-FA3B-4C5F-B700-4671668DAB72}" type="datetimeFigureOut">
               <a:rPr lang="fr-FR" smtClean="0"/>
-              <a:t>17/02/2025</a:t>
+              <a:t>05/04/2025</a:t>
             </a:fld>
             <a:endParaRPr lang="fr-FR"/>
           </a:p>
@@ -1827,7 +1827,7 @@
           <a:p>
             <a:fld id="{33E46DBA-FA3B-4C5F-B700-4671668DAB72}" type="datetimeFigureOut">
               <a:rPr lang="fr-FR" smtClean="0"/>
-              <a:t>17/02/2025</a:t>
+              <a:t>05/04/2025</a:t>
             </a:fld>
             <a:endParaRPr lang="fr-FR"/>
           </a:p>
@@ -2104,7 +2104,7 @@
           <a:p>
             <a:fld id="{33E46DBA-FA3B-4C5F-B700-4671668DAB72}" type="datetimeFigureOut">
               <a:rPr lang="fr-FR" smtClean="0"/>
-              <a:t>17/02/2025</a:t>
+              <a:t>05/04/2025</a:t>
             </a:fld>
             <a:endParaRPr lang="fr-FR"/>
           </a:p>
@@ -2357,7 +2357,7 @@
           <a:p>
             <a:fld id="{33E46DBA-FA3B-4C5F-B700-4671668DAB72}" type="datetimeFigureOut">
               <a:rPr lang="fr-FR" smtClean="0"/>
-              <a:t>17/02/2025</a:t>
+              <a:t>05/04/2025</a:t>
             </a:fld>
             <a:endParaRPr lang="fr-FR"/>
           </a:p>
@@ -2570,7 +2570,7 @@
           <a:p>
             <a:fld id="{33E46DBA-FA3B-4C5F-B700-4671668DAB72}" type="datetimeFigureOut">
               <a:rPr lang="fr-FR" smtClean="0"/>
-              <a:t>17/02/2025</a:t>
+              <a:t>05/04/2025</a:t>
             </a:fld>
             <a:endParaRPr lang="fr-FR"/>
           </a:p>
@@ -3019,7 +3019,7 @@
           <p:cNvPr id="6" name="Rectangle : coins arrondis 12">
             <a:extLst>
               <a:ext uri="{FF2B5EF4-FFF2-40B4-BE49-F238E27FC236}">
-                <a16:creationId xmlns="" xmlns:a16="http://schemas.microsoft.com/office/drawing/2014/main" id="{2A52F28A-4066-7F20-F61B-78B99AF33888}"/>
+                <a16:creationId xmlns:a16="http://schemas.microsoft.com/office/drawing/2014/main" xmlns="" id="{2A52F28A-4066-7F20-F61B-78B99AF33888}"/>
               </a:ext>
             </a:extLst>
           </p:cNvPr>
@@ -3191,7 +3191,7 @@
           <p:cNvPr id="6" name="Rectangle : coins arrondis 12">
             <a:extLst>
               <a:ext uri="{FF2B5EF4-FFF2-40B4-BE49-F238E27FC236}">
-                <a16:creationId xmlns="" xmlns:a16="http://schemas.microsoft.com/office/drawing/2014/main" id="{2A52F28A-4066-7F20-F61B-78B99AF33888}"/>
+                <a16:creationId xmlns:a16="http://schemas.microsoft.com/office/drawing/2014/main" xmlns="" id="{2A52F28A-4066-7F20-F61B-78B99AF33888}"/>
               </a:ext>
             </a:extLst>
           </p:cNvPr>
@@ -3383,7 +3383,7 @@
           <p:cNvPr id="12" name="ZoneTexte 11">
             <a:extLst>
               <a:ext uri="{FF2B5EF4-FFF2-40B4-BE49-F238E27FC236}">
-                <a16:creationId xmlns="" xmlns:a16="http://schemas.microsoft.com/office/drawing/2014/main" id="{0B494AC6-9B2E-422F-B16A-015D6B0BA580}"/>
+                <a16:creationId xmlns:a16="http://schemas.microsoft.com/office/drawing/2014/main" xmlns="" id="{0B494AC6-9B2E-422F-B16A-015D6B0BA580}"/>
               </a:ext>
             </a:extLst>
           </p:cNvPr>
@@ -3442,7 +3442,7 @@
           <p:cNvPr id="11" name="Rectangle 8">
             <a:extLst>
               <a:ext uri="{FF2B5EF4-FFF2-40B4-BE49-F238E27FC236}">
-                <a16:creationId xmlns="" xmlns:a16="http://schemas.microsoft.com/office/drawing/2014/main" id="{31EC9893-997B-FAF1-44A7-86DC576C44E1}"/>
+                <a16:creationId xmlns:a16="http://schemas.microsoft.com/office/drawing/2014/main" xmlns="" id="{31EC9893-997B-FAF1-44A7-86DC576C44E1}"/>
               </a:ext>
             </a:extLst>
           </p:cNvPr>
@@ -3716,7 +3716,7 @@
           <p:cNvPr id="13" name="Rectangle 9">
             <a:extLst>
               <a:ext uri="{FF2B5EF4-FFF2-40B4-BE49-F238E27FC236}">
-                <a16:creationId xmlns="" xmlns:a16="http://schemas.microsoft.com/office/drawing/2014/main" id="{894EDA96-9226-5939-95FB-4A21ACC79E4A}"/>
+                <a16:creationId xmlns:a16="http://schemas.microsoft.com/office/drawing/2014/main" xmlns="" id="{894EDA96-9226-5939-95FB-4A21ACC79E4A}"/>
               </a:ext>
             </a:extLst>
           </p:cNvPr>
@@ -3790,457 +3790,6 @@
 </file>
 
 <file path=ppt/slides/slide4.xml><?xml version="1.0" encoding="utf-8"?>
-<p:sld xmlns:a="http://schemas.openxmlformats.org/drawingml/2006/main" xmlns:r="http://schemas.openxmlformats.org/officeDocument/2006/relationships" xmlns:p="http://schemas.openxmlformats.org/presentationml/2006/main">
-  <p:cSld>
-    <p:spTree>
-      <p:nvGrpSpPr>
-        <p:cNvPr id="1" name=""/>
-        <p:cNvGrpSpPr/>
-        <p:nvPr/>
-      </p:nvGrpSpPr>
-      <p:grpSpPr>
-        <a:xfrm>
-          <a:off x="0" y="0"/>
-          <a:ext cx="0" cy="0"/>
-          <a:chOff x="0" y="0"/>
-          <a:chExt cx="0" cy="0"/>
-        </a:xfrm>
-      </p:grpSpPr>
-      <p:sp>
-        <p:nvSpPr>
-          <p:cNvPr id="12" name="ZoneTexte 11">
-            <a:extLst>
-              <a:ext uri="{FF2B5EF4-FFF2-40B4-BE49-F238E27FC236}">
-                <a16:creationId xmlns="" xmlns:a16="http://schemas.microsoft.com/office/drawing/2014/main" id="{0B494AC6-9B2E-422F-B16A-015D6B0BA580}"/>
-              </a:ext>
-            </a:extLst>
-          </p:cNvPr>
-          <p:cNvSpPr txBox="1"/>
-          <p:nvPr/>
-        </p:nvSpPr>
-        <p:spPr>
-          <a:xfrm>
-            <a:off x="672570" y="329709"/>
-            <a:ext cx="11412983" cy="655885"/>
-          </a:xfrm>
-          <a:prstGeom prst="rect">
-            <a:avLst/>
-          </a:prstGeom>
-          <a:noFill/>
-        </p:spPr>
-        <p:txBody>
-          <a:bodyPr wrap="square">
-            <a:spAutoFit/>
-          </a:bodyPr>
-          <a:lstStyle/>
-          <a:p>
-            <a:pPr marL="457200" algn="r" rtl="1">
-              <a:lnSpc>
-                <a:spcPct val="107000"/>
-              </a:lnSpc>
-              <a:spcAft>
-                <a:spcPts val="800"/>
-              </a:spcAft>
-              <a:tabLst>
-                <a:tab pos="2376805" algn="l"/>
-              </a:tabLst>
-            </a:pPr>
-            <a:r>
-              <a:rPr lang="ar-DZ" sz="3600" b="1" u="sng" dirty="0" smtClean="0">
-                <a:solidFill>
-                  <a:srgbClr val="FF0000"/>
-                </a:solidFill>
-                <a:latin typeface="Calibri" panose="020F0502020204030204" pitchFamily="34" charset="0"/>
-                <a:ea typeface="Calibri" panose="020F0502020204030204" pitchFamily="34" charset="0"/>
-                <a:cs typeface="Times New Roman" panose="02020603050405020304" pitchFamily="18" charset="0"/>
-              </a:rPr>
-              <a:t>نشاط 02 :</a:t>
-            </a:r>
-            <a:endParaRPr lang="fr-FR" sz="2000" dirty="0">
-              <a:effectLst/>
-              <a:latin typeface="Calibri" panose="020F0502020204030204" pitchFamily="34" charset="0"/>
-              <a:ea typeface="Calibri" panose="020F0502020204030204" pitchFamily="34" charset="0"/>
-              <a:cs typeface="Arial" panose="020B0604020202020204" pitchFamily="34" charset="0"/>
-            </a:endParaRPr>
-          </a:p>
-        </p:txBody>
-      </p:sp>
-      <p:sp>
-        <p:nvSpPr>
-          <p:cNvPr id="11" name="Rectangle 8">
-            <a:extLst>
-              <a:ext uri="{FF2B5EF4-FFF2-40B4-BE49-F238E27FC236}">
-                <a16:creationId xmlns="" xmlns:a16="http://schemas.microsoft.com/office/drawing/2014/main" id="{31EC9893-997B-FAF1-44A7-86DC576C44E1}"/>
-              </a:ext>
-            </a:extLst>
-          </p:cNvPr>
-          <p:cNvSpPr>
-            <a:spLocks noChangeArrowheads="1"/>
-          </p:cNvSpPr>
-          <p:nvPr/>
-        </p:nvSpPr>
-        <p:spPr bwMode="auto">
-          <a:xfrm>
-            <a:off x="-87682" y="1184074"/>
-            <a:ext cx="11862927" cy="2164503"/>
-          </a:xfrm>
-          <a:prstGeom prst="rect">
-            <a:avLst/>
-          </a:prstGeom>
-          <a:noFill/>
-          <a:ln>
-            <a:noFill/>
-          </a:ln>
-          <a:effectLst/>
-          <a:extLst>
-            <a:ext uri="{909E8E84-426E-40DD-AFC4-6F175D3DCCD1}">
-              <a14:hiddenFill xmlns:a14="http://schemas.microsoft.com/office/drawing/2010/main">
-                <a:solidFill>
-                  <a:schemeClr val="accent1"/>
-                </a:solidFill>
-              </a14:hiddenFill>
-            </a:ext>
-            <a:ext uri="{91240B29-F687-4F45-9708-019B960494DF}">
-              <a14:hiddenLine xmlns:a14="http://schemas.microsoft.com/office/drawing/2010/main" w="9525">
-                <a:solidFill>
-                  <a:schemeClr val="tx1"/>
-                </a:solidFill>
-                <a:miter lim="800000"/>
-                <a:headEnd/>
-                <a:tailEnd/>
-              </a14:hiddenLine>
-            </a:ext>
-            <a:ext uri="{AF507438-7753-43E0-B8FC-AC1667EBCBE1}">
-              <a14:hiddenEffects xmlns:a14="http://schemas.microsoft.com/office/drawing/2010/main">
-                <a:effectLst>
-                  <a:outerShdw dist="35921" dir="2700000" algn="ctr" rotWithShape="0">
-                    <a:schemeClr val="bg2"/>
-                  </a:outerShdw>
-                </a:effectLst>
-              </a14:hiddenEffects>
-            </a:ext>
-          </a:extLst>
-        </p:spPr>
-        <p:txBody>
-          <a:bodyPr vert="horz" wrap="square" lIns="91440" tIns="45720" rIns="91440" bIns="45720" numCol="1" anchor="ctr" anchorCtr="0" compatLnSpc="1">
-            <a:prstTxWarp prst="textNoShape">
-              <a:avLst/>
-            </a:prstTxWarp>
-            <a:spAutoFit/>
-          </a:bodyPr>
-          <a:lstStyle>
-            <a:lvl1pPr eaLnBrk="0" fontAlgn="base" hangingPunct="0">
-              <a:spcBef>
-                <a:spcPct val="0"/>
-              </a:spcBef>
-              <a:spcAft>
-                <a:spcPct val="0"/>
-              </a:spcAft>
-              <a:tabLst>
-                <a:tab pos="2376488" algn="l"/>
-              </a:tabLst>
-              <a:defRPr>
-                <a:solidFill>
-                  <a:schemeClr val="tx1"/>
-                </a:solidFill>
-                <a:latin typeface="Arial" panose="020B0604020202020204" pitchFamily="34" charset="0"/>
-              </a:defRPr>
-            </a:lvl1pPr>
-            <a:lvl2pPr eaLnBrk="0" fontAlgn="base" hangingPunct="0">
-              <a:spcBef>
-                <a:spcPct val="0"/>
-              </a:spcBef>
-              <a:spcAft>
-                <a:spcPct val="0"/>
-              </a:spcAft>
-              <a:tabLst>
-                <a:tab pos="2376488" algn="l"/>
-              </a:tabLst>
-              <a:defRPr>
-                <a:solidFill>
-                  <a:schemeClr val="tx1"/>
-                </a:solidFill>
-                <a:latin typeface="Arial" panose="020B0604020202020204" pitchFamily="34" charset="0"/>
-              </a:defRPr>
-            </a:lvl2pPr>
-            <a:lvl3pPr eaLnBrk="0" fontAlgn="base" hangingPunct="0">
-              <a:spcBef>
-                <a:spcPct val="0"/>
-              </a:spcBef>
-              <a:spcAft>
-                <a:spcPct val="0"/>
-              </a:spcAft>
-              <a:tabLst>
-                <a:tab pos="2376488" algn="l"/>
-              </a:tabLst>
-              <a:defRPr>
-                <a:solidFill>
-                  <a:schemeClr val="tx1"/>
-                </a:solidFill>
-                <a:latin typeface="Arial" panose="020B0604020202020204" pitchFamily="34" charset="0"/>
-              </a:defRPr>
-            </a:lvl3pPr>
-            <a:lvl4pPr eaLnBrk="0" fontAlgn="base" hangingPunct="0">
-              <a:spcBef>
-                <a:spcPct val="0"/>
-              </a:spcBef>
-              <a:spcAft>
-                <a:spcPct val="0"/>
-              </a:spcAft>
-              <a:tabLst>
-                <a:tab pos="2376488" algn="l"/>
-              </a:tabLst>
-              <a:defRPr>
-                <a:solidFill>
-                  <a:schemeClr val="tx1"/>
-                </a:solidFill>
-                <a:latin typeface="Arial" panose="020B0604020202020204" pitchFamily="34" charset="0"/>
-              </a:defRPr>
-            </a:lvl4pPr>
-            <a:lvl5pPr eaLnBrk="0" fontAlgn="base" hangingPunct="0">
-              <a:spcBef>
-                <a:spcPct val="0"/>
-              </a:spcBef>
-              <a:spcAft>
-                <a:spcPct val="0"/>
-              </a:spcAft>
-              <a:tabLst>
-                <a:tab pos="2376488" algn="l"/>
-              </a:tabLst>
-              <a:defRPr>
-                <a:solidFill>
-                  <a:schemeClr val="tx1"/>
-                </a:solidFill>
-                <a:latin typeface="Arial" panose="020B0604020202020204" pitchFamily="34" charset="0"/>
-              </a:defRPr>
-            </a:lvl5pPr>
-            <a:lvl6pPr eaLnBrk="0" fontAlgn="base" hangingPunct="0">
-              <a:spcBef>
-                <a:spcPct val="0"/>
-              </a:spcBef>
-              <a:spcAft>
-                <a:spcPct val="0"/>
-              </a:spcAft>
-              <a:tabLst>
-                <a:tab pos="2376488" algn="l"/>
-              </a:tabLst>
-              <a:defRPr>
-                <a:solidFill>
-                  <a:schemeClr val="tx1"/>
-                </a:solidFill>
-                <a:latin typeface="Arial" panose="020B0604020202020204" pitchFamily="34" charset="0"/>
-              </a:defRPr>
-            </a:lvl6pPr>
-            <a:lvl7pPr eaLnBrk="0" fontAlgn="base" hangingPunct="0">
-              <a:spcBef>
-                <a:spcPct val="0"/>
-              </a:spcBef>
-              <a:spcAft>
-                <a:spcPct val="0"/>
-              </a:spcAft>
-              <a:tabLst>
-                <a:tab pos="2376488" algn="l"/>
-              </a:tabLst>
-              <a:defRPr>
-                <a:solidFill>
-                  <a:schemeClr val="tx1"/>
-                </a:solidFill>
-                <a:latin typeface="Arial" panose="020B0604020202020204" pitchFamily="34" charset="0"/>
-              </a:defRPr>
-            </a:lvl7pPr>
-            <a:lvl8pPr eaLnBrk="0" fontAlgn="base" hangingPunct="0">
-              <a:spcBef>
-                <a:spcPct val="0"/>
-              </a:spcBef>
-              <a:spcAft>
-                <a:spcPct val="0"/>
-              </a:spcAft>
-              <a:tabLst>
-                <a:tab pos="2376488" algn="l"/>
-              </a:tabLst>
-              <a:defRPr>
-                <a:solidFill>
-                  <a:schemeClr val="tx1"/>
-                </a:solidFill>
-                <a:latin typeface="Arial" panose="020B0604020202020204" pitchFamily="34" charset="0"/>
-              </a:defRPr>
-            </a:lvl8pPr>
-            <a:lvl9pPr eaLnBrk="0" fontAlgn="base" hangingPunct="0">
-              <a:spcBef>
-                <a:spcPct val="0"/>
-              </a:spcBef>
-              <a:spcAft>
-                <a:spcPct val="0"/>
-              </a:spcAft>
-              <a:tabLst>
-                <a:tab pos="2376488" algn="l"/>
-              </a:tabLst>
-              <a:defRPr>
-                <a:solidFill>
-                  <a:schemeClr val="tx1"/>
-                </a:solidFill>
-                <a:latin typeface="Arial" panose="020B0604020202020204" pitchFamily="34" charset="0"/>
-              </a:defRPr>
-            </a:lvl9pPr>
-          </a:lstStyle>
-          <a:p>
-            <a:pPr marL="571500" lvl="0" indent="-571500" algn="r" rtl="1">
-              <a:lnSpc>
-                <a:spcPct val="115000"/>
-              </a:lnSpc>
-              <a:spcAft>
-                <a:spcPts val="800"/>
-              </a:spcAft>
-              <a:buFont typeface="Wingdings" panose="05000000000000000000" pitchFamily="2" charset="2"/>
-              <a:buChar char="Ø"/>
-            </a:pPr>
-            <a:r>
-              <a:rPr lang="ar-DZ" sz="3600" dirty="0"/>
-              <a:t>لنحاول إدراج أحد </a:t>
-            </a:r>
-            <a:r>
-              <a:rPr lang="ar-DZ" sz="3600" dirty="0" smtClean="0"/>
-              <a:t>الفيديوهات </a:t>
-            </a:r>
-            <a:r>
-              <a:rPr lang="ar-DZ" sz="3600" dirty="0"/>
-              <a:t>في الشريحة الثانية.</a:t>
-            </a:r>
-          </a:p>
-          <a:p>
-            <a:pPr marL="571500" lvl="0" indent="-571500" algn="r" rtl="1">
-              <a:lnSpc>
-                <a:spcPct val="115000"/>
-              </a:lnSpc>
-              <a:spcAft>
-                <a:spcPts val="800"/>
-              </a:spcAft>
-              <a:buFont typeface="Wingdings" panose="05000000000000000000" pitchFamily="2" charset="2"/>
-              <a:buChar char="Ø"/>
-            </a:pPr>
-            <a:r>
-              <a:rPr lang="ar-DZ" sz="3600" dirty="0"/>
-              <a:t>	هل يمكننا إضافة </a:t>
-            </a:r>
-            <a:r>
-              <a:rPr lang="ar-DZ" sz="3600" dirty="0" smtClean="0"/>
-              <a:t>الفيديوهات </a:t>
-            </a:r>
-            <a:r>
-              <a:rPr lang="ar-DZ" sz="3600" dirty="0"/>
-              <a:t>الموجودة في الحاسوب فقط ؟ </a:t>
-            </a:r>
-          </a:p>
-          <a:p>
-            <a:pPr marL="571500" lvl="0" indent="-571500" algn="r" rtl="1">
-              <a:lnSpc>
-                <a:spcPct val="115000"/>
-              </a:lnSpc>
-              <a:spcAft>
-                <a:spcPts val="800"/>
-              </a:spcAft>
-              <a:buFont typeface="Wingdings" panose="05000000000000000000" pitchFamily="2" charset="2"/>
-              <a:buChar char="Ø"/>
-            </a:pPr>
-            <a:r>
-              <a:rPr lang="ar-DZ" sz="3600" dirty="0"/>
-              <a:t>	ما هي مراحل إضافة </a:t>
-            </a:r>
-            <a:r>
-              <a:rPr lang="ar-DZ" sz="3600" dirty="0" smtClean="0"/>
-              <a:t>الفيديوهات </a:t>
-            </a:r>
-            <a:r>
-              <a:rPr lang="ar-DZ" sz="3600" dirty="0"/>
-              <a:t>إذن ؟</a:t>
-            </a:r>
-            <a:endParaRPr lang="fr-FR" sz="2800" dirty="0">
-              <a:latin typeface="Calibri" panose="020F0502020204030204" pitchFamily="34" charset="0"/>
-              <a:ea typeface="Calibri" panose="020F0502020204030204" pitchFamily="34" charset="0"/>
-              <a:cs typeface="Arial" panose="020B0604020202020204" pitchFamily="34" charset="0"/>
-            </a:endParaRPr>
-          </a:p>
-        </p:txBody>
-      </p:sp>
-      <p:sp>
-        <p:nvSpPr>
-          <p:cNvPr id="13" name="Rectangle 9">
-            <a:extLst>
-              <a:ext uri="{FF2B5EF4-FFF2-40B4-BE49-F238E27FC236}">
-                <a16:creationId xmlns="" xmlns:a16="http://schemas.microsoft.com/office/drawing/2014/main" id="{894EDA96-9226-5939-95FB-4A21ACC79E4A}"/>
-              </a:ext>
-            </a:extLst>
-          </p:cNvPr>
-          <p:cNvSpPr>
-            <a:spLocks noChangeArrowheads="1"/>
-          </p:cNvSpPr>
-          <p:nvPr/>
-        </p:nvSpPr>
-        <p:spPr bwMode="auto">
-          <a:xfrm>
-            <a:off x="0" y="960273"/>
-            <a:ext cx="0" cy="0"/>
-          </a:xfrm>
-          <a:prstGeom prst="rect">
-            <a:avLst/>
-          </a:prstGeom>
-          <a:solidFill>
-            <a:schemeClr val="accent1"/>
-          </a:solidFill>
-          <a:ln w="9525">
-            <a:solidFill>
-              <a:schemeClr val="tx1"/>
-            </a:solidFill>
-            <a:miter lim="800000"/>
-            <a:headEnd/>
-            <a:tailEnd/>
-          </a:ln>
-          <a:effectLst/>
-          <a:extLst>
-            <a:ext uri="{AF507438-7753-43E0-B8FC-AC1667EBCBE1}">
-              <a14:hiddenEffects xmlns:a14="http://schemas.microsoft.com/office/drawing/2010/main">
-                <a:effectLst>
-                  <a:outerShdw dist="35921" dir="2700000" algn="ctr" rotWithShape="0">
-                    <a:schemeClr val="bg2"/>
-                  </a:outerShdw>
-                </a:effectLst>
-              </a14:hiddenEffects>
-            </a:ext>
-          </a:extLst>
-        </p:spPr>
-        <p:txBody>
-          <a:bodyPr vert="horz" wrap="square" lIns="91440" tIns="45720" rIns="91440" bIns="45720" numCol="1" anchor="t" anchorCtr="0" compatLnSpc="1">
-            <a:prstTxWarp prst="textNoShape">
-              <a:avLst/>
-            </a:prstTxWarp>
-          </a:bodyPr>
-          <a:lstStyle/>
-          <a:p>
-            <a:endParaRPr lang="fr-FR"/>
-          </a:p>
-        </p:txBody>
-      </p:sp>
-    </p:spTree>
-    <p:extLst>
-      <p:ext uri="{BB962C8B-B14F-4D97-AF65-F5344CB8AC3E}">
-        <p14:creationId xmlns:p14="http://schemas.microsoft.com/office/powerpoint/2010/main" val="509088624"/>
-      </p:ext>
-    </p:extLst>
-  </p:cSld>
-  <p:clrMapOvr>
-    <a:masterClrMapping/>
-  </p:clrMapOvr>
-  <p:timing>
-    <p:tnLst>
-      <p:par>
-        <p:cTn id="1" dur="indefinite" restart="never" nodeType="tmRoot"/>
-      </p:par>
-    </p:tnLst>
-  </p:timing>
-</p:sld>
-</file>
-
-<file path=ppt/slides/slide5.xml><?xml version="1.0" encoding="utf-8"?>
 <p:sld xmlns:a="http://schemas.openxmlformats.org/drawingml/2006/main" xmlns:r="http://schemas.openxmlformats.org/officeDocument/2006/relationships" xmlns:p="http://schemas.openxmlformats.org/presentationml/2006/main">
   <p:cSld>
     <p:bg>
@@ -4512,25 +4061,7 @@
                 </a:solidFill>
                 <a:cs typeface="+mj-cs"/>
               </a:rPr>
-              <a:t>إدراج </a:t>
-            </a:r>
-            <a:r>
-              <a:rPr lang="ar-DZ" sz="3600" b="1" u="sng" dirty="0" smtClean="0">
-                <a:solidFill>
-                  <a:srgbClr val="FF0000"/>
-                </a:solidFill>
-                <a:cs typeface="+mj-cs"/>
-              </a:rPr>
-              <a:t>صوت</a:t>
-            </a:r>
-            <a:r>
-              <a:rPr lang="ar-DZ" sz="3600" b="1" u="sng" dirty="0" smtClean="0">
-                <a:solidFill>
-                  <a:srgbClr val="FF0000"/>
-                </a:solidFill>
-                <a:cs typeface="+mj-cs"/>
-              </a:rPr>
-              <a:t> :</a:t>
+              <a:t>إدراج صوت :</a:t>
             </a:r>
             <a:endParaRPr lang="ar-DZ" sz="3600" b="1" u="sng" dirty="0">
               <a:solidFill>
@@ -4714,6 +4245,457 @@
   <p:transition spd="slow">
     <p:push dir="u"/>
   </p:transition>
+  <p:timing>
+    <p:tnLst>
+      <p:par>
+        <p:cTn id="1" dur="indefinite" restart="never" nodeType="tmRoot"/>
+      </p:par>
+    </p:tnLst>
+  </p:timing>
+</p:sld>
+</file>
+
+<file path=ppt/slides/slide5.xml><?xml version="1.0" encoding="utf-8"?>
+<p:sld xmlns:a="http://schemas.openxmlformats.org/drawingml/2006/main" xmlns:r="http://schemas.openxmlformats.org/officeDocument/2006/relationships" xmlns:p="http://schemas.openxmlformats.org/presentationml/2006/main">
+  <p:cSld>
+    <p:spTree>
+      <p:nvGrpSpPr>
+        <p:cNvPr id="1" name=""/>
+        <p:cNvGrpSpPr/>
+        <p:nvPr/>
+      </p:nvGrpSpPr>
+      <p:grpSpPr>
+        <a:xfrm>
+          <a:off x="0" y="0"/>
+          <a:ext cx="0" cy="0"/>
+          <a:chOff x="0" y="0"/>
+          <a:chExt cx="0" cy="0"/>
+        </a:xfrm>
+      </p:grpSpPr>
+      <p:sp>
+        <p:nvSpPr>
+          <p:cNvPr id="12" name="ZoneTexte 11">
+            <a:extLst>
+              <a:ext uri="{FF2B5EF4-FFF2-40B4-BE49-F238E27FC236}">
+                <a16:creationId xmlns:a16="http://schemas.microsoft.com/office/drawing/2014/main" xmlns="" id="{0B494AC6-9B2E-422F-B16A-015D6B0BA580}"/>
+              </a:ext>
+            </a:extLst>
+          </p:cNvPr>
+          <p:cNvSpPr txBox="1"/>
+          <p:nvPr/>
+        </p:nvSpPr>
+        <p:spPr>
+          <a:xfrm>
+            <a:off x="672570" y="329709"/>
+            <a:ext cx="11412983" cy="655885"/>
+          </a:xfrm>
+          <a:prstGeom prst="rect">
+            <a:avLst/>
+          </a:prstGeom>
+          <a:noFill/>
+        </p:spPr>
+        <p:txBody>
+          <a:bodyPr wrap="square">
+            <a:spAutoFit/>
+          </a:bodyPr>
+          <a:lstStyle/>
+          <a:p>
+            <a:pPr marL="457200" algn="r" rtl="1">
+              <a:lnSpc>
+                <a:spcPct val="107000"/>
+              </a:lnSpc>
+              <a:spcAft>
+                <a:spcPts val="800"/>
+              </a:spcAft>
+              <a:tabLst>
+                <a:tab pos="2376805" algn="l"/>
+              </a:tabLst>
+            </a:pPr>
+            <a:r>
+              <a:rPr lang="ar-DZ" sz="3600" b="1" u="sng" dirty="0" smtClean="0">
+                <a:solidFill>
+                  <a:srgbClr val="FF0000"/>
+                </a:solidFill>
+                <a:latin typeface="Calibri" panose="020F0502020204030204" pitchFamily="34" charset="0"/>
+                <a:ea typeface="Calibri" panose="020F0502020204030204" pitchFamily="34" charset="0"/>
+                <a:cs typeface="Times New Roman" panose="02020603050405020304" pitchFamily="18" charset="0"/>
+              </a:rPr>
+              <a:t>نشاط 02 :</a:t>
+            </a:r>
+            <a:endParaRPr lang="fr-FR" sz="2000" dirty="0">
+              <a:effectLst/>
+              <a:latin typeface="Calibri" panose="020F0502020204030204" pitchFamily="34" charset="0"/>
+              <a:ea typeface="Calibri" panose="020F0502020204030204" pitchFamily="34" charset="0"/>
+              <a:cs typeface="Arial" panose="020B0604020202020204" pitchFamily="34" charset="0"/>
+            </a:endParaRPr>
+          </a:p>
+        </p:txBody>
+      </p:sp>
+      <p:sp>
+        <p:nvSpPr>
+          <p:cNvPr id="11" name="Rectangle 8">
+            <a:extLst>
+              <a:ext uri="{FF2B5EF4-FFF2-40B4-BE49-F238E27FC236}">
+                <a16:creationId xmlns:a16="http://schemas.microsoft.com/office/drawing/2014/main" xmlns="" id="{31EC9893-997B-FAF1-44A7-86DC576C44E1}"/>
+              </a:ext>
+            </a:extLst>
+          </p:cNvPr>
+          <p:cNvSpPr>
+            <a:spLocks noChangeArrowheads="1"/>
+          </p:cNvSpPr>
+          <p:nvPr/>
+        </p:nvSpPr>
+        <p:spPr bwMode="auto">
+          <a:xfrm>
+            <a:off x="-87682" y="1184074"/>
+            <a:ext cx="11862927" cy="2164503"/>
+          </a:xfrm>
+          <a:prstGeom prst="rect">
+            <a:avLst/>
+          </a:prstGeom>
+          <a:noFill/>
+          <a:ln>
+            <a:noFill/>
+          </a:ln>
+          <a:effectLst/>
+          <a:extLst>
+            <a:ext uri="{909E8E84-426E-40DD-AFC4-6F175D3DCCD1}">
+              <a14:hiddenFill xmlns:a14="http://schemas.microsoft.com/office/drawing/2010/main">
+                <a:solidFill>
+                  <a:schemeClr val="accent1"/>
+                </a:solidFill>
+              </a14:hiddenFill>
+            </a:ext>
+            <a:ext uri="{91240B29-F687-4F45-9708-019B960494DF}">
+              <a14:hiddenLine xmlns:a14="http://schemas.microsoft.com/office/drawing/2010/main" w="9525">
+                <a:solidFill>
+                  <a:schemeClr val="tx1"/>
+                </a:solidFill>
+                <a:miter lim="800000"/>
+                <a:headEnd/>
+                <a:tailEnd/>
+              </a14:hiddenLine>
+            </a:ext>
+            <a:ext uri="{AF507438-7753-43E0-B8FC-AC1667EBCBE1}">
+              <a14:hiddenEffects xmlns:a14="http://schemas.microsoft.com/office/drawing/2010/main">
+                <a:effectLst>
+                  <a:outerShdw dist="35921" dir="2700000" algn="ctr" rotWithShape="0">
+                    <a:schemeClr val="bg2"/>
+                  </a:outerShdw>
+                </a:effectLst>
+              </a14:hiddenEffects>
+            </a:ext>
+          </a:extLst>
+        </p:spPr>
+        <p:txBody>
+          <a:bodyPr vert="horz" wrap="square" lIns="91440" tIns="45720" rIns="91440" bIns="45720" numCol="1" anchor="ctr" anchorCtr="0" compatLnSpc="1">
+            <a:prstTxWarp prst="textNoShape">
+              <a:avLst/>
+            </a:prstTxWarp>
+            <a:spAutoFit/>
+          </a:bodyPr>
+          <a:lstStyle>
+            <a:lvl1pPr eaLnBrk="0" fontAlgn="base" hangingPunct="0">
+              <a:spcBef>
+                <a:spcPct val="0"/>
+              </a:spcBef>
+              <a:spcAft>
+                <a:spcPct val="0"/>
+              </a:spcAft>
+              <a:tabLst>
+                <a:tab pos="2376488" algn="l"/>
+              </a:tabLst>
+              <a:defRPr>
+                <a:solidFill>
+                  <a:schemeClr val="tx1"/>
+                </a:solidFill>
+                <a:latin typeface="Arial" panose="020B0604020202020204" pitchFamily="34" charset="0"/>
+              </a:defRPr>
+            </a:lvl1pPr>
+            <a:lvl2pPr eaLnBrk="0" fontAlgn="base" hangingPunct="0">
+              <a:spcBef>
+                <a:spcPct val="0"/>
+              </a:spcBef>
+              <a:spcAft>
+                <a:spcPct val="0"/>
+              </a:spcAft>
+              <a:tabLst>
+                <a:tab pos="2376488" algn="l"/>
+              </a:tabLst>
+              <a:defRPr>
+                <a:solidFill>
+                  <a:schemeClr val="tx1"/>
+                </a:solidFill>
+                <a:latin typeface="Arial" panose="020B0604020202020204" pitchFamily="34" charset="0"/>
+              </a:defRPr>
+            </a:lvl2pPr>
+            <a:lvl3pPr eaLnBrk="0" fontAlgn="base" hangingPunct="0">
+              <a:spcBef>
+                <a:spcPct val="0"/>
+              </a:spcBef>
+              <a:spcAft>
+                <a:spcPct val="0"/>
+              </a:spcAft>
+              <a:tabLst>
+                <a:tab pos="2376488" algn="l"/>
+              </a:tabLst>
+              <a:defRPr>
+                <a:solidFill>
+                  <a:schemeClr val="tx1"/>
+                </a:solidFill>
+                <a:latin typeface="Arial" panose="020B0604020202020204" pitchFamily="34" charset="0"/>
+              </a:defRPr>
+            </a:lvl3pPr>
+            <a:lvl4pPr eaLnBrk="0" fontAlgn="base" hangingPunct="0">
+              <a:spcBef>
+                <a:spcPct val="0"/>
+              </a:spcBef>
+              <a:spcAft>
+                <a:spcPct val="0"/>
+              </a:spcAft>
+              <a:tabLst>
+                <a:tab pos="2376488" algn="l"/>
+              </a:tabLst>
+              <a:defRPr>
+                <a:solidFill>
+                  <a:schemeClr val="tx1"/>
+                </a:solidFill>
+                <a:latin typeface="Arial" panose="020B0604020202020204" pitchFamily="34" charset="0"/>
+              </a:defRPr>
+            </a:lvl4pPr>
+            <a:lvl5pPr eaLnBrk="0" fontAlgn="base" hangingPunct="0">
+              <a:spcBef>
+                <a:spcPct val="0"/>
+              </a:spcBef>
+              <a:spcAft>
+                <a:spcPct val="0"/>
+              </a:spcAft>
+              <a:tabLst>
+                <a:tab pos="2376488" algn="l"/>
+              </a:tabLst>
+              <a:defRPr>
+                <a:solidFill>
+                  <a:schemeClr val="tx1"/>
+                </a:solidFill>
+                <a:latin typeface="Arial" panose="020B0604020202020204" pitchFamily="34" charset="0"/>
+              </a:defRPr>
+            </a:lvl5pPr>
+            <a:lvl6pPr eaLnBrk="0" fontAlgn="base" hangingPunct="0">
+              <a:spcBef>
+                <a:spcPct val="0"/>
+              </a:spcBef>
+              <a:spcAft>
+                <a:spcPct val="0"/>
+              </a:spcAft>
+              <a:tabLst>
+                <a:tab pos="2376488" algn="l"/>
+              </a:tabLst>
+              <a:defRPr>
+                <a:solidFill>
+                  <a:schemeClr val="tx1"/>
+                </a:solidFill>
+                <a:latin typeface="Arial" panose="020B0604020202020204" pitchFamily="34" charset="0"/>
+              </a:defRPr>
+            </a:lvl6pPr>
+            <a:lvl7pPr eaLnBrk="0" fontAlgn="base" hangingPunct="0">
+              <a:spcBef>
+                <a:spcPct val="0"/>
+              </a:spcBef>
+              <a:spcAft>
+                <a:spcPct val="0"/>
+              </a:spcAft>
+              <a:tabLst>
+                <a:tab pos="2376488" algn="l"/>
+              </a:tabLst>
+              <a:defRPr>
+                <a:solidFill>
+                  <a:schemeClr val="tx1"/>
+                </a:solidFill>
+                <a:latin typeface="Arial" panose="020B0604020202020204" pitchFamily="34" charset="0"/>
+              </a:defRPr>
+            </a:lvl7pPr>
+            <a:lvl8pPr eaLnBrk="0" fontAlgn="base" hangingPunct="0">
+              <a:spcBef>
+                <a:spcPct val="0"/>
+              </a:spcBef>
+              <a:spcAft>
+                <a:spcPct val="0"/>
+              </a:spcAft>
+              <a:tabLst>
+                <a:tab pos="2376488" algn="l"/>
+              </a:tabLst>
+              <a:defRPr>
+                <a:solidFill>
+                  <a:schemeClr val="tx1"/>
+                </a:solidFill>
+                <a:latin typeface="Arial" panose="020B0604020202020204" pitchFamily="34" charset="0"/>
+              </a:defRPr>
+            </a:lvl8pPr>
+            <a:lvl9pPr eaLnBrk="0" fontAlgn="base" hangingPunct="0">
+              <a:spcBef>
+                <a:spcPct val="0"/>
+              </a:spcBef>
+              <a:spcAft>
+                <a:spcPct val="0"/>
+              </a:spcAft>
+              <a:tabLst>
+                <a:tab pos="2376488" algn="l"/>
+              </a:tabLst>
+              <a:defRPr>
+                <a:solidFill>
+                  <a:schemeClr val="tx1"/>
+                </a:solidFill>
+                <a:latin typeface="Arial" panose="020B0604020202020204" pitchFamily="34" charset="0"/>
+              </a:defRPr>
+            </a:lvl9pPr>
+          </a:lstStyle>
+          <a:p>
+            <a:pPr marL="571500" lvl="0" indent="-571500" algn="r" rtl="1">
+              <a:lnSpc>
+                <a:spcPct val="115000"/>
+              </a:lnSpc>
+              <a:spcAft>
+                <a:spcPts val="800"/>
+              </a:spcAft>
+              <a:buFont typeface="Wingdings" panose="05000000000000000000" pitchFamily="2" charset="2"/>
+              <a:buChar char="Ø"/>
+            </a:pPr>
+            <a:r>
+              <a:rPr lang="ar-DZ" sz="3600" dirty="0"/>
+              <a:t>لنحاول إدراج أحد </a:t>
+            </a:r>
+            <a:r>
+              <a:rPr lang="ar-DZ" sz="3600" dirty="0" smtClean="0"/>
+              <a:t>الفيديوهات </a:t>
+            </a:r>
+            <a:r>
+              <a:rPr lang="ar-DZ" sz="3600" dirty="0"/>
+              <a:t>في الشريحة الثانية.</a:t>
+            </a:r>
+          </a:p>
+          <a:p>
+            <a:pPr marL="571500" lvl="0" indent="-571500" algn="r" rtl="1">
+              <a:lnSpc>
+                <a:spcPct val="115000"/>
+              </a:lnSpc>
+              <a:spcAft>
+                <a:spcPts val="800"/>
+              </a:spcAft>
+              <a:buFont typeface="Wingdings" panose="05000000000000000000" pitchFamily="2" charset="2"/>
+              <a:buChar char="Ø"/>
+            </a:pPr>
+            <a:r>
+              <a:rPr lang="ar-DZ" sz="3600" dirty="0"/>
+              <a:t>	هل يمكننا إضافة </a:t>
+            </a:r>
+            <a:r>
+              <a:rPr lang="ar-DZ" sz="3600" dirty="0" smtClean="0"/>
+              <a:t>الفيديوهات </a:t>
+            </a:r>
+            <a:r>
+              <a:rPr lang="ar-DZ" sz="3600" dirty="0"/>
+              <a:t>الموجودة في الحاسوب فقط ؟ </a:t>
+            </a:r>
+          </a:p>
+          <a:p>
+            <a:pPr marL="571500" lvl="0" indent="-571500" algn="r" rtl="1">
+              <a:lnSpc>
+                <a:spcPct val="115000"/>
+              </a:lnSpc>
+              <a:spcAft>
+                <a:spcPts val="800"/>
+              </a:spcAft>
+              <a:buFont typeface="Wingdings" panose="05000000000000000000" pitchFamily="2" charset="2"/>
+              <a:buChar char="Ø"/>
+            </a:pPr>
+            <a:r>
+              <a:rPr lang="ar-DZ" sz="3600" dirty="0"/>
+              <a:t>	ما هي مراحل إضافة </a:t>
+            </a:r>
+            <a:r>
+              <a:rPr lang="ar-DZ" sz="3600" dirty="0" smtClean="0"/>
+              <a:t>الفيديوهات </a:t>
+            </a:r>
+            <a:r>
+              <a:rPr lang="ar-DZ" sz="3600" dirty="0"/>
+              <a:t>إذن ؟</a:t>
+            </a:r>
+            <a:endParaRPr lang="fr-FR" sz="2800" dirty="0">
+              <a:latin typeface="Calibri" panose="020F0502020204030204" pitchFamily="34" charset="0"/>
+              <a:ea typeface="Calibri" panose="020F0502020204030204" pitchFamily="34" charset="0"/>
+              <a:cs typeface="Arial" panose="020B0604020202020204" pitchFamily="34" charset="0"/>
+            </a:endParaRPr>
+          </a:p>
+        </p:txBody>
+      </p:sp>
+      <p:sp>
+        <p:nvSpPr>
+          <p:cNvPr id="13" name="Rectangle 9">
+            <a:extLst>
+              <a:ext uri="{FF2B5EF4-FFF2-40B4-BE49-F238E27FC236}">
+                <a16:creationId xmlns:a16="http://schemas.microsoft.com/office/drawing/2014/main" xmlns="" id="{894EDA96-9226-5939-95FB-4A21ACC79E4A}"/>
+              </a:ext>
+            </a:extLst>
+          </p:cNvPr>
+          <p:cNvSpPr>
+            <a:spLocks noChangeArrowheads="1"/>
+          </p:cNvSpPr>
+          <p:nvPr/>
+        </p:nvSpPr>
+        <p:spPr bwMode="auto">
+          <a:xfrm>
+            <a:off x="0" y="960273"/>
+            <a:ext cx="0" cy="0"/>
+          </a:xfrm>
+          <a:prstGeom prst="rect">
+            <a:avLst/>
+          </a:prstGeom>
+          <a:solidFill>
+            <a:schemeClr val="accent1"/>
+          </a:solidFill>
+          <a:ln w="9525">
+            <a:solidFill>
+              <a:schemeClr val="tx1"/>
+            </a:solidFill>
+            <a:miter lim="800000"/>
+            <a:headEnd/>
+            <a:tailEnd/>
+          </a:ln>
+          <a:effectLst/>
+          <a:extLst>
+            <a:ext uri="{AF507438-7753-43E0-B8FC-AC1667EBCBE1}">
+              <a14:hiddenEffects xmlns:a14="http://schemas.microsoft.com/office/drawing/2010/main">
+                <a:effectLst>
+                  <a:outerShdw dist="35921" dir="2700000" algn="ctr" rotWithShape="0">
+                    <a:schemeClr val="bg2"/>
+                  </a:outerShdw>
+                </a:effectLst>
+              </a14:hiddenEffects>
+            </a:ext>
+          </a:extLst>
+        </p:spPr>
+        <p:txBody>
+          <a:bodyPr vert="horz" wrap="square" lIns="91440" tIns="45720" rIns="91440" bIns="45720" numCol="1" anchor="t" anchorCtr="0" compatLnSpc="1">
+            <a:prstTxWarp prst="textNoShape">
+              <a:avLst/>
+            </a:prstTxWarp>
+          </a:bodyPr>
+          <a:lstStyle/>
+          <a:p>
+            <a:endParaRPr lang="fr-FR"/>
+          </a:p>
+        </p:txBody>
+      </p:sp>
+    </p:spTree>
+    <p:extLst>
+      <p:ext uri="{BB962C8B-B14F-4D97-AF65-F5344CB8AC3E}">
+        <p14:creationId xmlns:p14="http://schemas.microsoft.com/office/powerpoint/2010/main" val="509088624"/>
+      </p:ext>
+    </p:extLst>
+  </p:cSld>
+  <p:clrMapOvr>
+    <a:masterClrMapping/>
+  </p:clrMapOvr>
   <p:timing>
     <p:tnLst>
       <p:par>
@@ -4996,16 +4978,7 @@
                 </a:solidFill>
                 <a:cs typeface="+mj-cs"/>
               </a:rPr>
-              <a:t>إدراج فيديو </a:t>
-            </a:r>
-            <a:r>
-              <a:rPr lang="ar-DZ" sz="3600" b="1" u="sng" dirty="0" smtClean="0">
-                <a:solidFill>
-                  <a:srgbClr val="FF0000"/>
-                </a:solidFill>
-                <a:cs typeface="+mj-cs"/>
-              </a:rPr>
-              <a:t>:</a:t>
+              <a:t>إدراج فيديو :</a:t>
             </a:r>
           </a:p>
           <a:p>
